--- a/Design/Presentation.pptx
+++ b/Design/Presentation.pptx
@@ -17,7 +17,9 @@
     <p:sldId id="264" r:id="rId14"/>
     <p:sldId id="266" r:id="rId15"/>
     <p:sldId id="269" r:id="rId16"/>
-    <p:sldId id="268" r:id="rId17"/>
+    <p:sldId id="271" r:id="rId17"/>
+    <p:sldId id="272" r:id="rId18"/>
+    <p:sldId id="268" r:id="rId19"/>
   </p:sldIdLst>
   <p:sldSz cx="12192000" cy="6858000"/>
   <p:notesSz cx="6858000" cy="9144000"/>
@@ -4736,7 +4738,7 @@
           <a:p>
             <a:fld id="{EA0C0817-A112-4847-8014-A94B7D2A4EA3}" type="datetime1">
               <a:rPr lang="en-US" smtClean="0"/>
-              <a:t>3/8/2020</a:t>
+              <a:t>3/9/2020</a:t>
             </a:fld>
             <a:endParaRPr lang="en-US" dirty="0"/>
           </a:p>
@@ -4938,7 +4940,7 @@
           <a:p>
             <a:fld id="{134F40B7-36AB-4376-BE14-EF7004D79BB9}" type="datetime1">
               <a:rPr lang="en-US" smtClean="0"/>
-              <a:t>3/8/2020</a:t>
+              <a:t>3/9/2020</a:t>
             </a:fld>
             <a:endParaRPr lang="en-US" dirty="0"/>
           </a:p>
@@ -5118,7 +5120,7 @@
           <a:p>
             <a:fld id="{FF87CAB8-DCAE-46A5-AADA-B3FAD11A54E0}" type="datetime1">
               <a:rPr lang="en-US" smtClean="0"/>
-              <a:t>3/8/2020</a:t>
+              <a:t>3/9/2020</a:t>
             </a:fld>
             <a:endParaRPr lang="en-US" dirty="0"/>
           </a:p>
@@ -5288,7 +5290,7 @@
           <a:p>
             <a:fld id="{7332B432-ACDA-4023-A761-2BAB76577B62}" type="datetime1">
               <a:rPr lang="en-US" smtClean="0"/>
-              <a:t>3/8/2020</a:t>
+              <a:t>3/9/2020</a:t>
             </a:fld>
             <a:endParaRPr lang="en-US" dirty="0"/>
           </a:p>
@@ -5887,7 +5889,7 @@
           <a:p>
             <a:fld id="{D9C646AA-F36E-4540-911D-FFFC0A0EF24A}" type="datetime1">
               <a:rPr lang="en-US" smtClean="0"/>
-              <a:t>3/8/2020</a:t>
+              <a:t>3/9/2020</a:t>
             </a:fld>
             <a:endParaRPr lang="en-US" dirty="0"/>
           </a:p>
@@ -6207,7 +6209,7 @@
           <a:p>
             <a:fld id="{69186D26-FA5F-4637-B602-B7C2DC34CFD4}" type="datetime1">
               <a:rPr lang="en-US" smtClean="0"/>
-              <a:t>3/8/2020</a:t>
+              <a:t>3/9/2020</a:t>
             </a:fld>
             <a:endParaRPr lang="en-US" dirty="0"/>
           </a:p>
@@ -6644,7 +6646,7 @@
           <a:p>
             <a:fld id="{8A7F15D8-96D1-4781-BC50-CA8A088B2FE4}" type="datetime1">
               <a:rPr lang="en-US" smtClean="0"/>
-              <a:t>3/8/2020</a:t>
+              <a:t>3/9/2020</a:t>
             </a:fld>
             <a:endParaRPr lang="en-US" dirty="0"/>
           </a:p>
@@ -6762,7 +6764,7 @@
           <a:p>
             <a:fld id="{F9A96C99-B8F8-4528-BD05-0E16E943DC09}" type="datetime1">
               <a:rPr lang="en-US" smtClean="0"/>
-              <a:t>3/8/2020</a:t>
+              <a:t>3/9/2020</a:t>
             </a:fld>
             <a:endParaRPr lang="en-US" dirty="0"/>
           </a:p>
@@ -6857,7 +6859,7 @@
           <a:p>
             <a:fld id="{03636942-C211-4B28-8DBD-C953E00AF71B}" type="datetime1">
               <a:rPr lang="en-US" smtClean="0"/>
-              <a:t>3/8/2020</a:t>
+              <a:t>3/9/2020</a:t>
             </a:fld>
             <a:endParaRPr lang="en-US" dirty="0"/>
           </a:p>
@@ -7274,7 +7276,7 @@
           <a:p>
             <a:fld id="{7E8D12A6-918A-48BD-8CB9-CA713993B0EA}" type="datetime1">
               <a:rPr lang="en-US" smtClean="0"/>
-              <a:t>3/8/2020</a:t>
+              <a:t>3/9/2020</a:t>
             </a:fld>
             <a:endParaRPr lang="en-US" dirty="0"/>
           </a:p>
@@ -7536,7 +7538,7 @@
             <a:fld id="{E778CE86-875F-4587-BCF6-FA054AFC0D53}" type="datetime1">
               <a:rPr lang="en-US" smtClean="0"/>
               <a:pPr/>
-              <a:t>3/8/2020</a:t>
+              <a:t>3/9/2020</a:t>
             </a:fld>
             <a:endParaRPr lang="en-US" dirty="0"/>
           </a:p>
@@ -8052,7 +8054,7 @@
           <a:p>
             <a:fld id="{F6FA2B21-3FCD-4721-B95C-427943F61125}" type="datetime1">
               <a:rPr lang="en-US" smtClean="0"/>
-              <a:t>3/8/2020</a:t>
+              <a:t>3/9/2020</a:t>
             </a:fld>
             <a:endParaRPr lang="en-US" dirty="0"/>
           </a:p>
@@ -10278,7 +10280,7 @@
           <a:p>
             <a:r>
               <a:rPr lang="en-US" b="1" dirty="0"/>
-              <a:t>Reasoning</a:t>
+              <a:t>Reasoning : Song Mood</a:t>
             </a:r>
           </a:p>
         </p:txBody>
@@ -10296,7 +10298,7 @@
             <a:spLocks noGrp="1"/>
           </p:cNvSpPr>
           <p:nvPr>
-            <p:ph idx="1"/>
+            <p:ph sz="half" idx="1"/>
           </p:nvPr>
         </p:nvSpPr>
         <p:spPr/>
@@ -10304,7 +10306,134 @@
           <a:bodyPr/>
           <a:lstStyle/>
           <a:p>
-            <a:endParaRPr lang="en-US"/>
+            <a:r>
+              <a:rPr lang="nn-NO" dirty="0"/>
+              <a:t>(&lt;== (songMood anxious ?song)</a:t>
+            </a:r>
+          </a:p>
+          <a:p>
+            <a:r>
+              <a:rPr lang="nn-NO" dirty="0"/>
+              <a:t>     (BeatOfSong lowL ?song)</a:t>
+            </a:r>
+          </a:p>
+          <a:p>
+            <a:r>
+              <a:rPr lang="nn-NO" dirty="0"/>
+              <a:t>     (PitchOfSong lowL ?song)</a:t>
+            </a:r>
+          </a:p>
+          <a:p>
+            <a:r>
+              <a:rPr lang="nn-NO" dirty="0"/>
+              <a:t>     (EnergyOfSong mediumL ?song))</a:t>
+            </a:r>
+            <a:endParaRPr lang="en-US" dirty="0"/>
+          </a:p>
+        </p:txBody>
+      </p:sp>
+      <p:sp>
+        <p:nvSpPr>
+          <p:cNvPr id="5" name="Content Placeholder 4">
+            <a:extLst>
+              <a:ext uri="{FF2B5EF4-FFF2-40B4-BE49-F238E27FC236}">
+                <a16:creationId xmlns:a16="http://schemas.microsoft.com/office/drawing/2014/main" id="{B2317D29-8204-4823-8D95-95E47C086C9F}"/>
+              </a:ext>
+            </a:extLst>
+          </p:cNvPr>
+          <p:cNvSpPr>
+            <a:spLocks noGrp="1"/>
+          </p:cNvSpPr>
+          <p:nvPr>
+            <p:ph sz="half" idx="2"/>
+          </p:nvPr>
+        </p:nvSpPr>
+        <p:spPr/>
+        <p:txBody>
+          <a:bodyPr/>
+          <a:lstStyle/>
+          <a:p>
+            <a:r>
+              <a:rPr lang="en-US" dirty="0"/>
+              <a:t>(&lt;== (</a:t>
+            </a:r>
+            <a:r>
+              <a:rPr lang="en-US" dirty="0" err="1"/>
+              <a:t>songMood</a:t>
+            </a:r>
+            <a:r>
+              <a:rPr lang="en-US" dirty="0"/>
+              <a:t> content ?song)</a:t>
+            </a:r>
+          </a:p>
+          <a:p>
+            <a:r>
+              <a:rPr lang="en-US" dirty="0"/>
+              <a:t>     (</a:t>
+            </a:r>
+            <a:r>
+              <a:rPr lang="en-US" dirty="0" err="1"/>
+              <a:t>BeatOfSong</a:t>
+            </a:r>
+            <a:r>
+              <a:rPr lang="en-US" dirty="0"/>
+              <a:t> </a:t>
+            </a:r>
+            <a:r>
+              <a:rPr lang="en-US" dirty="0" err="1"/>
+              <a:t>lowL</a:t>
+            </a:r>
+            <a:r>
+              <a:rPr lang="en-US" dirty="0"/>
+              <a:t> ?song)</a:t>
+            </a:r>
+          </a:p>
+          <a:p>
+            <a:r>
+              <a:rPr lang="en-US" dirty="0"/>
+              <a:t>     (</a:t>
+            </a:r>
+            <a:r>
+              <a:rPr lang="en-US" dirty="0" err="1"/>
+              <a:t>PitchOfSong</a:t>
+            </a:r>
+            <a:r>
+              <a:rPr lang="en-US" dirty="0"/>
+              <a:t> </a:t>
+            </a:r>
+            <a:r>
+              <a:rPr lang="en-US" dirty="0" err="1"/>
+              <a:t>highL</a:t>
+            </a:r>
+            <a:r>
+              <a:rPr lang="en-US" dirty="0"/>
+              <a:t> ?song)</a:t>
+            </a:r>
+          </a:p>
+          <a:p>
+            <a:r>
+              <a:rPr lang="en-US" dirty="0"/>
+              <a:t>     (</a:t>
+            </a:r>
+            <a:r>
+              <a:rPr lang="en-US" dirty="0" err="1"/>
+              <a:t>EnergyOfSong</a:t>
+            </a:r>
+            <a:r>
+              <a:rPr lang="en-US" dirty="0"/>
+              <a:t> </a:t>
+            </a:r>
+            <a:r>
+              <a:rPr lang="en-US" dirty="0" err="1"/>
+              <a:t>lowL</a:t>
+            </a:r>
+            <a:r>
+              <a:rPr lang="en-US" dirty="0"/>
+              <a:t> ?song))</a:t>
+            </a:r>
+          </a:p>
+          <a:p>
+            <a:endParaRPr lang="en-US" dirty="0"/>
           </a:p>
         </p:txBody>
       </p:sp>
@@ -10322,6 +10451,419 @@
 </file>
 
 <file path=ppt/slides/slide13.xml><?xml version="1.0" encoding="utf-8"?>
+<p:sld xmlns:a="http://schemas.openxmlformats.org/drawingml/2006/main" xmlns:r="http://schemas.openxmlformats.org/officeDocument/2006/relationships" xmlns:p="http://schemas.openxmlformats.org/presentationml/2006/main">
+  <p:cSld>
+    <p:spTree>
+      <p:nvGrpSpPr>
+        <p:cNvPr id="1" name=""/>
+        <p:cNvGrpSpPr/>
+        <p:nvPr/>
+      </p:nvGrpSpPr>
+      <p:grpSpPr>
+        <a:xfrm>
+          <a:off x="0" y="0"/>
+          <a:ext cx="0" cy="0"/>
+          <a:chOff x="0" y="0"/>
+          <a:chExt cx="0" cy="0"/>
+        </a:xfrm>
+      </p:grpSpPr>
+      <p:sp>
+        <p:nvSpPr>
+          <p:cNvPr id="2" name="Title 1">
+            <a:extLst>
+              <a:ext uri="{FF2B5EF4-FFF2-40B4-BE49-F238E27FC236}">
+                <a16:creationId xmlns:a16="http://schemas.microsoft.com/office/drawing/2014/main" id="{4F603BE7-707C-42BE-9278-2B80816E7CC8}"/>
+              </a:ext>
+            </a:extLst>
+          </p:cNvPr>
+          <p:cNvSpPr>
+            <a:spLocks noGrp="1"/>
+          </p:cNvSpPr>
+          <p:nvPr>
+            <p:ph type="title"/>
+          </p:nvPr>
+        </p:nvSpPr>
+        <p:spPr/>
+        <p:txBody>
+          <a:bodyPr/>
+          <a:lstStyle/>
+          <a:p>
+            <a:r>
+              <a:rPr lang="en-US" b="1" dirty="0"/>
+              <a:t>Song Mood - </a:t>
+            </a:r>
+          </a:p>
+        </p:txBody>
+      </p:sp>
+      <p:sp>
+        <p:nvSpPr>
+          <p:cNvPr id="3" name="Content Placeholder 2">
+            <a:extLst>
+              <a:ext uri="{FF2B5EF4-FFF2-40B4-BE49-F238E27FC236}">
+                <a16:creationId xmlns:a16="http://schemas.microsoft.com/office/drawing/2014/main" id="{08E50887-3538-4FEE-BBDE-4BB5B37D6069}"/>
+              </a:ext>
+            </a:extLst>
+          </p:cNvPr>
+          <p:cNvSpPr>
+            <a:spLocks noGrp="1"/>
+          </p:cNvSpPr>
+          <p:nvPr>
+            <p:ph sz="half" idx="1"/>
+          </p:nvPr>
+        </p:nvSpPr>
+        <p:spPr/>
+        <p:txBody>
+          <a:bodyPr/>
+          <a:lstStyle/>
+          <a:p>
+            <a:r>
+              <a:rPr lang="nn-NO" dirty="0"/>
+              <a:t>(&lt;== (songMood content ?song)</a:t>
+            </a:r>
+          </a:p>
+          <a:p>
+            <a:r>
+              <a:rPr lang="nn-NO" dirty="0"/>
+              <a:t>     (BeatOfSong mediumL ?song)</a:t>
+            </a:r>
+          </a:p>
+          <a:p>
+            <a:r>
+              <a:rPr lang="nn-NO" dirty="0"/>
+              <a:t>     (PitchOfSong highL ?song)</a:t>
+            </a:r>
+          </a:p>
+          <a:p>
+            <a:r>
+              <a:rPr lang="nn-NO" dirty="0"/>
+              <a:t>     (EnergyOfSong lowL ?song))</a:t>
+            </a:r>
+            <a:endParaRPr lang="en-US" dirty="0"/>
+          </a:p>
+        </p:txBody>
+      </p:sp>
+      <p:sp>
+        <p:nvSpPr>
+          <p:cNvPr id="5" name="Content Placeholder 4">
+            <a:extLst>
+              <a:ext uri="{FF2B5EF4-FFF2-40B4-BE49-F238E27FC236}">
+                <a16:creationId xmlns:a16="http://schemas.microsoft.com/office/drawing/2014/main" id="{B2317D29-8204-4823-8D95-95E47C086C9F}"/>
+              </a:ext>
+            </a:extLst>
+          </p:cNvPr>
+          <p:cNvSpPr>
+            <a:spLocks noGrp="1"/>
+          </p:cNvSpPr>
+          <p:nvPr>
+            <p:ph sz="half" idx="2"/>
+          </p:nvPr>
+        </p:nvSpPr>
+        <p:spPr/>
+        <p:txBody>
+          <a:bodyPr/>
+          <a:lstStyle/>
+          <a:p>
+            <a:r>
+              <a:rPr lang="en-US" dirty="0"/>
+              <a:t>(&lt;== (</a:t>
+            </a:r>
+            <a:r>
+              <a:rPr lang="en-US" dirty="0" err="1"/>
+              <a:t>songMood</a:t>
+            </a:r>
+            <a:r>
+              <a:rPr lang="en-US" dirty="0"/>
+              <a:t> content ?song)</a:t>
+            </a:r>
+          </a:p>
+          <a:p>
+            <a:r>
+              <a:rPr lang="en-US" dirty="0"/>
+              <a:t>     (</a:t>
+            </a:r>
+            <a:r>
+              <a:rPr lang="en-US" dirty="0" err="1"/>
+              <a:t>BeatOfSong</a:t>
+            </a:r>
+            <a:r>
+              <a:rPr lang="en-US" dirty="0"/>
+              <a:t> </a:t>
+            </a:r>
+            <a:r>
+              <a:rPr lang="en-US" dirty="0" err="1"/>
+              <a:t>lowL</a:t>
+            </a:r>
+            <a:r>
+              <a:rPr lang="en-US" dirty="0"/>
+              <a:t> ?song)</a:t>
+            </a:r>
+          </a:p>
+          <a:p>
+            <a:r>
+              <a:rPr lang="en-US" dirty="0"/>
+              <a:t>     (</a:t>
+            </a:r>
+            <a:r>
+              <a:rPr lang="en-US" dirty="0" err="1"/>
+              <a:t>PitchOfSong</a:t>
+            </a:r>
+            <a:r>
+              <a:rPr lang="en-US" dirty="0"/>
+              <a:t> </a:t>
+            </a:r>
+            <a:r>
+              <a:rPr lang="en-US" dirty="0" err="1"/>
+              <a:t>highL</a:t>
+            </a:r>
+            <a:r>
+              <a:rPr lang="en-US" dirty="0"/>
+              <a:t> ?song)</a:t>
+            </a:r>
+          </a:p>
+          <a:p>
+            <a:r>
+              <a:rPr lang="en-US" dirty="0"/>
+              <a:t>     (</a:t>
+            </a:r>
+            <a:r>
+              <a:rPr lang="en-US" dirty="0" err="1"/>
+              <a:t>EnergyOfSong</a:t>
+            </a:r>
+            <a:r>
+              <a:rPr lang="en-US" dirty="0"/>
+              <a:t> </a:t>
+            </a:r>
+            <a:r>
+              <a:rPr lang="en-US" dirty="0" err="1"/>
+              <a:t>lowL</a:t>
+            </a:r>
+            <a:r>
+              <a:rPr lang="en-US" dirty="0"/>
+              <a:t> ?song))</a:t>
+            </a:r>
+          </a:p>
+          <a:p>
+            <a:endParaRPr lang="en-US" dirty="0"/>
+          </a:p>
+        </p:txBody>
+      </p:sp>
+    </p:spTree>
+    <p:extLst>
+      <p:ext uri="{BB962C8B-B14F-4D97-AF65-F5344CB8AC3E}">
+        <p14:creationId xmlns:p14="http://schemas.microsoft.com/office/powerpoint/2010/main" val="2166527826"/>
+      </p:ext>
+    </p:extLst>
+  </p:cSld>
+  <p:clrMapOvr>
+    <a:masterClrMapping/>
+  </p:clrMapOvr>
+</p:sld>
+</file>
+
+<file path=ppt/slides/slide14.xml><?xml version="1.0" encoding="utf-8"?>
+<p:sld xmlns:a="http://schemas.openxmlformats.org/drawingml/2006/main" xmlns:r="http://schemas.openxmlformats.org/officeDocument/2006/relationships" xmlns:p="http://schemas.openxmlformats.org/presentationml/2006/main">
+  <p:cSld>
+    <p:spTree>
+      <p:nvGrpSpPr>
+        <p:cNvPr id="1" name=""/>
+        <p:cNvGrpSpPr/>
+        <p:nvPr/>
+      </p:nvGrpSpPr>
+      <p:grpSpPr>
+        <a:xfrm>
+          <a:off x="0" y="0"/>
+          <a:ext cx="0" cy="0"/>
+          <a:chOff x="0" y="0"/>
+          <a:chExt cx="0" cy="0"/>
+        </a:xfrm>
+      </p:grpSpPr>
+      <p:sp>
+        <p:nvSpPr>
+          <p:cNvPr id="2" name="Title 1">
+            <a:extLst>
+              <a:ext uri="{FF2B5EF4-FFF2-40B4-BE49-F238E27FC236}">
+                <a16:creationId xmlns:a16="http://schemas.microsoft.com/office/drawing/2014/main" id="{4F603BE7-707C-42BE-9278-2B80816E7CC8}"/>
+              </a:ext>
+            </a:extLst>
+          </p:cNvPr>
+          <p:cNvSpPr>
+            <a:spLocks noGrp="1"/>
+          </p:cNvSpPr>
+          <p:nvPr>
+            <p:ph type="title"/>
+          </p:nvPr>
+        </p:nvSpPr>
+        <p:spPr/>
+        <p:txBody>
+          <a:bodyPr/>
+          <a:lstStyle/>
+          <a:p>
+            <a:r>
+              <a:rPr lang="en-US" b="1" dirty="0"/>
+              <a:t>Reasoning : Suitable Dance Styles</a:t>
+            </a:r>
+          </a:p>
+        </p:txBody>
+      </p:sp>
+      <p:sp>
+        <p:nvSpPr>
+          <p:cNvPr id="3" name="Content Placeholder 2">
+            <a:extLst>
+              <a:ext uri="{FF2B5EF4-FFF2-40B4-BE49-F238E27FC236}">
+                <a16:creationId xmlns:a16="http://schemas.microsoft.com/office/drawing/2014/main" id="{08E50887-3538-4FEE-BBDE-4BB5B37D6069}"/>
+              </a:ext>
+            </a:extLst>
+          </p:cNvPr>
+          <p:cNvSpPr>
+            <a:spLocks noGrp="1"/>
+          </p:cNvSpPr>
+          <p:nvPr>
+            <p:ph sz="half" idx="1"/>
+          </p:nvPr>
+        </p:nvSpPr>
+        <p:spPr/>
+        <p:txBody>
+          <a:bodyPr/>
+          <a:lstStyle/>
+          <a:p>
+            <a:r>
+              <a:rPr lang="nn-NO" dirty="0"/>
+              <a:t>(&lt;== (danceStyle tango ?song)</a:t>
+            </a:r>
+          </a:p>
+          <a:p>
+            <a:r>
+              <a:rPr lang="nn-NO" dirty="0"/>
+              <a:t>     (MeterOfSong "4/4" ?song)</a:t>
+            </a:r>
+          </a:p>
+          <a:p>
+            <a:r>
+              <a:rPr lang="nn-NO" dirty="0"/>
+              <a:t>     (greaterThanOrEqualTo ?tempo 90)</a:t>
+            </a:r>
+          </a:p>
+          <a:p>
+            <a:r>
+              <a:rPr lang="nn-NO" dirty="0"/>
+              <a:t>     (lessThanOrEqualTo ?tempo 130)</a:t>
+            </a:r>
+          </a:p>
+          <a:p>
+            <a:r>
+              <a:rPr lang="nn-NO" dirty="0"/>
+              <a:t>     (TempoOfSong ?tempo ?song))</a:t>
+            </a:r>
+            <a:endParaRPr lang="en-US" dirty="0"/>
+          </a:p>
+        </p:txBody>
+      </p:sp>
+      <p:sp>
+        <p:nvSpPr>
+          <p:cNvPr id="5" name="Content Placeholder 4">
+            <a:extLst>
+              <a:ext uri="{FF2B5EF4-FFF2-40B4-BE49-F238E27FC236}">
+                <a16:creationId xmlns:a16="http://schemas.microsoft.com/office/drawing/2014/main" id="{B2317D29-8204-4823-8D95-95E47C086C9F}"/>
+              </a:ext>
+            </a:extLst>
+          </p:cNvPr>
+          <p:cNvSpPr>
+            <a:spLocks noGrp="1"/>
+          </p:cNvSpPr>
+          <p:nvPr>
+            <p:ph sz="half" idx="2"/>
+          </p:nvPr>
+        </p:nvSpPr>
+        <p:spPr/>
+        <p:txBody>
+          <a:bodyPr/>
+          <a:lstStyle/>
+          <a:p>
+            <a:r>
+              <a:rPr lang="en-US" dirty="0"/>
+              <a:t>(&lt;== (</a:t>
+            </a:r>
+            <a:r>
+              <a:rPr lang="en-US" dirty="0" err="1"/>
+              <a:t>danceStyle</a:t>
+            </a:r>
+            <a:r>
+              <a:rPr lang="en-US" dirty="0"/>
+              <a:t> waltz ?song)</a:t>
+            </a:r>
+          </a:p>
+          <a:p>
+            <a:r>
+              <a:rPr lang="en-US" dirty="0"/>
+              <a:t>     (</a:t>
+            </a:r>
+            <a:r>
+              <a:rPr lang="en-US" dirty="0" err="1"/>
+              <a:t>MeterOfSong</a:t>
+            </a:r>
+            <a:r>
+              <a:rPr lang="en-US" dirty="0"/>
+              <a:t> "3/4" ?song)</a:t>
+            </a:r>
+          </a:p>
+          <a:p>
+            <a:r>
+              <a:rPr lang="en-US" dirty="0"/>
+              <a:t>     (</a:t>
+            </a:r>
+            <a:r>
+              <a:rPr lang="en-US" dirty="0" err="1"/>
+              <a:t>greaterThanOrEqualTo</a:t>
+            </a:r>
+            <a:r>
+              <a:rPr lang="en-US" dirty="0"/>
+              <a:t> ?tempo 84)</a:t>
+            </a:r>
+          </a:p>
+          <a:p>
+            <a:r>
+              <a:rPr lang="en-US" dirty="0"/>
+              <a:t>     (</a:t>
+            </a:r>
+            <a:r>
+              <a:rPr lang="en-US" dirty="0" err="1"/>
+              <a:t>lessThanOrEqualTo</a:t>
+            </a:r>
+            <a:r>
+              <a:rPr lang="en-US" dirty="0"/>
+              <a:t> ?tempo 100)</a:t>
+            </a:r>
+          </a:p>
+          <a:p>
+            <a:r>
+              <a:rPr lang="en-US" dirty="0"/>
+              <a:t>     (</a:t>
+            </a:r>
+            <a:r>
+              <a:rPr lang="en-US" dirty="0" err="1"/>
+              <a:t>TempoOfSong</a:t>
+            </a:r>
+            <a:r>
+              <a:rPr lang="en-US" dirty="0"/>
+              <a:t> ?tempo ?song))</a:t>
+            </a:r>
+          </a:p>
+        </p:txBody>
+      </p:sp>
+    </p:spTree>
+    <p:extLst>
+      <p:ext uri="{BB962C8B-B14F-4D97-AF65-F5344CB8AC3E}">
+        <p14:creationId xmlns:p14="http://schemas.microsoft.com/office/powerpoint/2010/main" val="2311717117"/>
+      </p:ext>
+    </p:extLst>
+  </p:cSld>
+  <p:clrMapOvr>
+    <a:masterClrMapping/>
+  </p:clrMapOvr>
+</p:sld>
+</file>
+
+<file path=ppt/slides/slide15.xml><?xml version="1.0" encoding="utf-8"?>
 <p:sld xmlns:a="http://schemas.openxmlformats.org/drawingml/2006/main" xmlns:r="http://schemas.openxmlformats.org/officeDocument/2006/relationships" xmlns:p="http://schemas.openxmlformats.org/presentationml/2006/main">
   <p:cSld>
     <p:spTree>
